--- a/CEDMIT-Integration.pptx
+++ b/CEDMIT-Integration.pptx
@@ -6,9 +6,10 @@
   </p:sldMasterIdLst>
   <p:sldIdLst>
     <p:sldId id="256" r:id="rId2"/>
+    <p:sldId id="257" r:id="rId3"/>
   </p:sldIdLst>
   <p:sldSz cx="12192000" cy="6858000"/>
-  <p:notesSz cx="6858000" cy="9144000"/>
+  <p:notesSz cx="6797675" cy="9926638"/>
   <p:defaultTextStyle>
     <a:defPPr>
       <a:defRPr lang="en-US"/>
@@ -104,6 +105,11 @@
       </a:defRPr>
     </a:lvl9pPr>
   </p:defaultTextStyle>
+  <p:extLst>
+    <p:ext uri="{EFAFB233-063F-42B5-8137-9DF3F51BA10A}">
+      <p15:sldGuideLst xmlns:p15="http://schemas.microsoft.com/office/powerpoint/2012/main"/>
+    </p:ext>
+  </p:extLst>
 </p:presentation>
 </file>
 
@@ -238,7 +244,7 @@
           <a:p>
             <a:fld id="{421444F2-DA98-4DB6-BE97-84FA63A019FF}" type="datetimeFigureOut">
               <a:rPr lang="en-GB" smtClean="0"/>
-              <a:t>05/12/2019</a:t>
+              <a:t>11/12/2019</a:t>
             </a:fld>
             <a:endParaRPr lang="en-GB"/>
           </a:p>
@@ -408,7 +414,7 @@
           <a:p>
             <a:fld id="{421444F2-DA98-4DB6-BE97-84FA63A019FF}" type="datetimeFigureOut">
               <a:rPr lang="en-GB" smtClean="0"/>
-              <a:t>05/12/2019</a:t>
+              <a:t>11/12/2019</a:t>
             </a:fld>
             <a:endParaRPr lang="en-GB"/>
           </a:p>
@@ -588,7 +594,7 @@
           <a:p>
             <a:fld id="{421444F2-DA98-4DB6-BE97-84FA63A019FF}" type="datetimeFigureOut">
               <a:rPr lang="en-GB" smtClean="0"/>
-              <a:t>05/12/2019</a:t>
+              <a:t>11/12/2019</a:t>
             </a:fld>
             <a:endParaRPr lang="en-GB"/>
           </a:p>
@@ -758,7 +764,7 @@
           <a:p>
             <a:fld id="{421444F2-DA98-4DB6-BE97-84FA63A019FF}" type="datetimeFigureOut">
               <a:rPr lang="en-GB" smtClean="0"/>
-              <a:t>05/12/2019</a:t>
+              <a:t>11/12/2019</a:t>
             </a:fld>
             <a:endParaRPr lang="en-GB"/>
           </a:p>
@@ -1004,7 +1010,7 @@
           <a:p>
             <a:fld id="{421444F2-DA98-4DB6-BE97-84FA63A019FF}" type="datetimeFigureOut">
               <a:rPr lang="en-GB" smtClean="0"/>
-              <a:t>05/12/2019</a:t>
+              <a:t>11/12/2019</a:t>
             </a:fld>
             <a:endParaRPr lang="en-GB"/>
           </a:p>
@@ -1236,7 +1242,7 @@
           <a:p>
             <a:fld id="{421444F2-DA98-4DB6-BE97-84FA63A019FF}" type="datetimeFigureOut">
               <a:rPr lang="en-GB" smtClean="0"/>
-              <a:t>05/12/2019</a:t>
+              <a:t>11/12/2019</a:t>
             </a:fld>
             <a:endParaRPr lang="en-GB"/>
           </a:p>
@@ -1603,7 +1609,7 @@
           <a:p>
             <a:fld id="{421444F2-DA98-4DB6-BE97-84FA63A019FF}" type="datetimeFigureOut">
               <a:rPr lang="en-GB" smtClean="0"/>
-              <a:t>05/12/2019</a:t>
+              <a:t>11/12/2019</a:t>
             </a:fld>
             <a:endParaRPr lang="en-GB"/>
           </a:p>
@@ -1721,7 +1727,7 @@
           <a:p>
             <a:fld id="{421444F2-DA98-4DB6-BE97-84FA63A019FF}" type="datetimeFigureOut">
               <a:rPr lang="en-GB" smtClean="0"/>
-              <a:t>05/12/2019</a:t>
+              <a:t>11/12/2019</a:t>
             </a:fld>
             <a:endParaRPr lang="en-GB"/>
           </a:p>
@@ -1816,7 +1822,7 @@
           <a:p>
             <a:fld id="{421444F2-DA98-4DB6-BE97-84FA63A019FF}" type="datetimeFigureOut">
               <a:rPr lang="en-GB" smtClean="0"/>
-              <a:t>05/12/2019</a:t>
+              <a:t>11/12/2019</a:t>
             </a:fld>
             <a:endParaRPr lang="en-GB"/>
           </a:p>
@@ -2093,7 +2099,7 @@
           <a:p>
             <a:fld id="{421444F2-DA98-4DB6-BE97-84FA63A019FF}" type="datetimeFigureOut">
               <a:rPr lang="en-GB" smtClean="0"/>
-              <a:t>05/12/2019</a:t>
+              <a:t>11/12/2019</a:t>
             </a:fld>
             <a:endParaRPr lang="en-GB"/>
           </a:p>
@@ -2346,7 +2352,7 @@
           <a:p>
             <a:fld id="{421444F2-DA98-4DB6-BE97-84FA63A019FF}" type="datetimeFigureOut">
               <a:rPr lang="en-GB" smtClean="0"/>
-              <a:t>05/12/2019</a:t>
+              <a:t>11/12/2019</a:t>
             </a:fld>
             <a:endParaRPr lang="en-GB"/>
           </a:p>
@@ -2559,7 +2565,7 @@
           <a:p>
             <a:fld id="{421444F2-DA98-4DB6-BE97-84FA63A019FF}" type="datetimeFigureOut">
               <a:rPr lang="en-GB" smtClean="0"/>
-              <a:t>05/12/2019</a:t>
+              <a:t>11/12/2019</a:t>
             </a:fld>
             <a:endParaRPr lang="en-GB"/>
           </a:p>
@@ -3285,6 +3291,171 @@
 </p:sld>
 </file>
 
+<file path=ppt/slides/slide2.xml><?xml version="1.0" encoding="utf-8"?>
+<p:sld xmlns:a="http://schemas.openxmlformats.org/drawingml/2006/main" xmlns:r="http://schemas.openxmlformats.org/officeDocument/2006/relationships" xmlns:p="http://schemas.openxmlformats.org/presentationml/2006/main">
+  <p:cSld>
+    <p:spTree>
+      <p:nvGrpSpPr>
+        <p:cNvPr id="1" name=""/>
+        <p:cNvGrpSpPr/>
+        <p:nvPr/>
+      </p:nvGrpSpPr>
+      <p:grpSpPr>
+        <a:xfrm>
+          <a:off x="0" y="0"/>
+          <a:ext cx="0" cy="0"/>
+          <a:chOff x="0" y="0"/>
+          <a:chExt cx="0" cy="0"/>
+        </a:xfrm>
+      </p:grpSpPr>
+      <p:grpSp>
+        <p:nvGrpSpPr>
+          <p:cNvPr id="6" name="Group 5"/>
+          <p:cNvGrpSpPr/>
+          <p:nvPr/>
+        </p:nvGrpSpPr>
+        <p:grpSpPr>
+          <a:xfrm>
+            <a:off x="2053733" y="477248"/>
+            <a:ext cx="7445867" cy="5917952"/>
+            <a:chOff x="589000" y="-183153"/>
+            <a:chExt cx="9945282" cy="7904479"/>
+          </a:xfrm>
+        </p:grpSpPr>
+        <p:pic>
+          <p:nvPicPr>
+            <p:cNvPr id="2" name="Picture 1"/>
+            <p:cNvPicPr>
+              <a:picLocks noChangeAspect="1"/>
+            </p:cNvPicPr>
+            <p:nvPr/>
+          </p:nvPicPr>
+          <p:blipFill>
+            <a:blip r:embed="rId2" cstate="print">
+              <a:extLst>
+                <a:ext uri="{28A0092B-C50C-407E-A947-70E740481C1C}">
+                  <a14:useLocalDpi xmlns:a14="http://schemas.microsoft.com/office/drawing/2010/main" val="0"/>
+                </a:ext>
+              </a:extLst>
+            </a:blip>
+            <a:stretch>
+              <a:fillRect/>
+            </a:stretch>
+          </p:blipFill>
+          <p:spPr>
+            <a:xfrm>
+              <a:off x="589000" y="3779064"/>
+              <a:ext cx="4918237" cy="3942261"/>
+            </a:xfrm>
+            <a:prstGeom prst="rect">
+              <a:avLst/>
+            </a:prstGeom>
+          </p:spPr>
+        </p:pic>
+        <p:pic>
+          <p:nvPicPr>
+            <p:cNvPr id="3" name="Picture 2"/>
+            <p:cNvPicPr>
+              <a:picLocks noChangeAspect="1"/>
+            </p:cNvPicPr>
+            <p:nvPr/>
+          </p:nvPicPr>
+          <p:blipFill>
+            <a:blip r:embed="rId3" cstate="print">
+              <a:extLst>
+                <a:ext uri="{28A0092B-C50C-407E-A947-70E740481C1C}">
+                  <a14:useLocalDpi xmlns:a14="http://schemas.microsoft.com/office/drawing/2010/main" val="0"/>
+                </a:ext>
+              </a:extLst>
+            </a:blip>
+            <a:stretch>
+              <a:fillRect/>
+            </a:stretch>
+          </p:blipFill>
+          <p:spPr>
+            <a:xfrm>
+              <a:off x="5507237" y="-173175"/>
+              <a:ext cx="5027045" cy="3942261"/>
+            </a:xfrm>
+            <a:prstGeom prst="rect">
+              <a:avLst/>
+            </a:prstGeom>
+          </p:spPr>
+        </p:pic>
+        <p:pic>
+          <p:nvPicPr>
+            <p:cNvPr id="4" name="Picture 3"/>
+            <p:cNvPicPr>
+              <a:picLocks noChangeAspect="1"/>
+            </p:cNvPicPr>
+            <p:nvPr/>
+          </p:nvPicPr>
+          <p:blipFill>
+            <a:blip r:embed="rId4" cstate="print">
+              <a:extLst>
+                <a:ext uri="{28A0092B-C50C-407E-A947-70E740481C1C}">
+                  <a14:useLocalDpi xmlns:a14="http://schemas.microsoft.com/office/drawing/2010/main" val="0"/>
+                </a:ext>
+              </a:extLst>
+            </a:blip>
+            <a:stretch>
+              <a:fillRect/>
+            </a:stretch>
+          </p:blipFill>
+          <p:spPr>
+            <a:xfrm>
+              <a:off x="831444" y="-183153"/>
+              <a:ext cx="4675793" cy="3942262"/>
+            </a:xfrm>
+            <a:prstGeom prst="rect">
+              <a:avLst/>
+            </a:prstGeom>
+          </p:spPr>
+        </p:pic>
+        <p:pic>
+          <p:nvPicPr>
+            <p:cNvPr id="5" name="Picture 4"/>
+            <p:cNvPicPr>
+              <a:picLocks noChangeAspect="1"/>
+            </p:cNvPicPr>
+            <p:nvPr/>
+          </p:nvPicPr>
+          <p:blipFill>
+            <a:blip r:embed="rId5" cstate="print">
+              <a:extLst>
+                <a:ext uri="{28A0092B-C50C-407E-A947-70E740481C1C}">
+                  <a14:useLocalDpi xmlns:a14="http://schemas.microsoft.com/office/drawing/2010/main" val="0"/>
+                </a:ext>
+              </a:extLst>
+            </a:blip>
+            <a:stretch>
+              <a:fillRect/>
+            </a:stretch>
+          </p:blipFill>
+          <p:spPr>
+            <a:xfrm>
+              <a:off x="5507237" y="3779064"/>
+              <a:ext cx="4882307" cy="3942262"/>
+            </a:xfrm>
+            <a:prstGeom prst="rect">
+              <a:avLst/>
+            </a:prstGeom>
+          </p:spPr>
+        </p:pic>
+      </p:grpSp>
+    </p:spTree>
+    <p:extLst>
+      <p:ext uri="{BB962C8B-B14F-4D97-AF65-F5344CB8AC3E}">
+        <p14:creationId xmlns:p14="http://schemas.microsoft.com/office/powerpoint/2010/main" val="1226983433"/>
+      </p:ext>
+    </p:extLst>
+  </p:cSld>
+  <p:clrMapOvr>
+    <a:masterClrMapping/>
+  </p:clrMapOvr>
+</p:sld>
+</file>
+
 <file path=ppt/theme/theme1.xml><?xml version="1.0" encoding="utf-8"?>
 <a:theme xmlns:a="http://schemas.openxmlformats.org/drawingml/2006/main" name="Office Theme">
   <a:themeElements>
